--- a/Python Урок 1 Змінні.pptx
+++ b/Python Урок 1 Змінні.pptx
@@ -18,8 +18,9 @@
     <p:sldId id="285" r:id="rId12"/>
     <p:sldId id="320" r:id="rId13"/>
     <p:sldId id="321" r:id="rId14"/>
-    <p:sldId id="286" r:id="rId15"/>
-    <p:sldId id="287" r:id="rId16"/>
+    <p:sldId id="326" r:id="rId15"/>
+    <p:sldId id="286" r:id="rId16"/>
+    <p:sldId id="287" r:id="rId17"/>
   </p:sldIdLst>
   <p:sldSz cx="12192000" cy="6858000"/>
   <p:notesSz cx="6858000" cy="9144000"/>
@@ -275,7 +276,7 @@
           <a:p>
             <a:fld id="{00EFD897-B74A-4A05-A383-C151ADD3E5FE}" type="datetimeFigureOut">
               <a:rPr lang="uk-UA" smtClean="0"/>
-              <a:t>09.08.2024</a:t>
+              <a:t>27.09.2024</a:t>
             </a:fld>
             <a:endParaRPr lang="uk-UA"/>
           </a:p>
@@ -475,7 +476,7 @@
           <a:p>
             <a:fld id="{00EFD897-B74A-4A05-A383-C151ADD3E5FE}" type="datetimeFigureOut">
               <a:rPr lang="uk-UA" smtClean="0"/>
-              <a:t>09.08.2024</a:t>
+              <a:t>27.09.2024</a:t>
             </a:fld>
             <a:endParaRPr lang="uk-UA"/>
           </a:p>
@@ -685,7 +686,7 @@
           <a:p>
             <a:fld id="{00EFD897-B74A-4A05-A383-C151ADD3E5FE}" type="datetimeFigureOut">
               <a:rPr lang="uk-UA" smtClean="0"/>
-              <a:t>09.08.2024</a:t>
+              <a:t>27.09.2024</a:t>
             </a:fld>
             <a:endParaRPr lang="uk-UA"/>
           </a:p>
@@ -885,7 +886,7 @@
           <a:p>
             <a:fld id="{00EFD897-B74A-4A05-A383-C151ADD3E5FE}" type="datetimeFigureOut">
               <a:rPr lang="uk-UA" smtClean="0"/>
-              <a:t>09.08.2024</a:t>
+              <a:t>27.09.2024</a:t>
             </a:fld>
             <a:endParaRPr lang="uk-UA"/>
           </a:p>
@@ -1161,7 +1162,7 @@
           <a:p>
             <a:fld id="{00EFD897-B74A-4A05-A383-C151ADD3E5FE}" type="datetimeFigureOut">
               <a:rPr lang="uk-UA" smtClean="0"/>
-              <a:t>09.08.2024</a:t>
+              <a:t>27.09.2024</a:t>
             </a:fld>
             <a:endParaRPr lang="uk-UA"/>
           </a:p>
@@ -1429,7 +1430,7 @@
           <a:p>
             <a:fld id="{00EFD897-B74A-4A05-A383-C151ADD3E5FE}" type="datetimeFigureOut">
               <a:rPr lang="uk-UA" smtClean="0"/>
-              <a:t>09.08.2024</a:t>
+              <a:t>27.09.2024</a:t>
             </a:fld>
             <a:endParaRPr lang="uk-UA"/>
           </a:p>
@@ -1844,7 +1845,7 @@
           <a:p>
             <a:fld id="{00EFD897-B74A-4A05-A383-C151ADD3E5FE}" type="datetimeFigureOut">
               <a:rPr lang="uk-UA" smtClean="0"/>
-              <a:t>09.08.2024</a:t>
+              <a:t>27.09.2024</a:t>
             </a:fld>
             <a:endParaRPr lang="uk-UA"/>
           </a:p>
@@ -1986,7 +1987,7 @@
           <a:p>
             <a:fld id="{00EFD897-B74A-4A05-A383-C151ADD3E5FE}" type="datetimeFigureOut">
               <a:rPr lang="uk-UA" smtClean="0"/>
-              <a:t>09.08.2024</a:t>
+              <a:t>27.09.2024</a:t>
             </a:fld>
             <a:endParaRPr lang="uk-UA"/>
           </a:p>
@@ -2099,7 +2100,7 @@
           <a:p>
             <a:fld id="{00EFD897-B74A-4A05-A383-C151ADD3E5FE}" type="datetimeFigureOut">
               <a:rPr lang="uk-UA" smtClean="0"/>
-              <a:t>09.08.2024</a:t>
+              <a:t>27.09.2024</a:t>
             </a:fld>
             <a:endParaRPr lang="uk-UA"/>
           </a:p>
@@ -2412,7 +2413,7 @@
           <a:p>
             <a:fld id="{00EFD897-B74A-4A05-A383-C151ADD3E5FE}" type="datetimeFigureOut">
               <a:rPr lang="uk-UA" smtClean="0"/>
-              <a:t>09.08.2024</a:t>
+              <a:t>27.09.2024</a:t>
             </a:fld>
             <a:endParaRPr lang="uk-UA"/>
           </a:p>
@@ -2701,7 +2702,7 @@
           <a:p>
             <a:fld id="{00EFD897-B74A-4A05-A383-C151ADD3E5FE}" type="datetimeFigureOut">
               <a:rPr lang="uk-UA" smtClean="0"/>
-              <a:t>09.08.2024</a:t>
+              <a:t>27.09.2024</a:t>
             </a:fld>
             <a:endParaRPr lang="uk-UA"/>
           </a:p>
@@ -2944,7 +2945,7 @@
           <a:p>
             <a:fld id="{00EFD897-B74A-4A05-A383-C151ADD3E5FE}" type="datetimeFigureOut">
               <a:rPr lang="uk-UA" smtClean="0"/>
-              <a:t>09.08.2024</a:t>
+              <a:t>27.09.2024</a:t>
             </a:fld>
             <a:endParaRPr lang="uk-UA"/>
           </a:p>
@@ -8150,6 +8151,747 @@
 </file>
 
 <file path=ppt/slides/slide14.xml><?xml version="1.0" encoding="utf-8"?>
+<p:sld xmlns:a="http://schemas.openxmlformats.org/drawingml/2006/main" xmlns:r="http://schemas.openxmlformats.org/officeDocument/2006/relationships" xmlns:p="http://schemas.openxmlformats.org/presentationml/2006/main">
+  <p:cSld>
+    <p:spTree>
+      <p:nvGrpSpPr>
+        <p:cNvPr id="1" name=""/>
+        <p:cNvGrpSpPr/>
+        <p:nvPr/>
+      </p:nvGrpSpPr>
+      <p:grpSpPr>
+        <a:xfrm>
+          <a:off x="0" y="0"/>
+          <a:ext cx="0" cy="0"/>
+          <a:chOff x="0" y="0"/>
+          <a:chExt cx="0" cy="0"/>
+        </a:xfrm>
+      </p:grpSpPr>
+      <p:sp>
+        <p:nvSpPr>
+          <p:cNvPr id="2" name="Заголовок 1">
+            <a:extLst>
+              <a:ext uri="{FF2B5EF4-FFF2-40B4-BE49-F238E27FC236}">
+                <a16:creationId xmlns:a16="http://schemas.microsoft.com/office/drawing/2014/main" id="{9A7076D4-8885-87E2-9518-8E76B423056E}"/>
+              </a:ext>
+            </a:extLst>
+          </p:cNvPr>
+          <p:cNvSpPr>
+            <a:spLocks noGrp="1"/>
+          </p:cNvSpPr>
+          <p:nvPr>
+            <p:ph type="title"/>
+          </p:nvPr>
+        </p:nvSpPr>
+        <p:spPr/>
+        <p:txBody>
+          <a:bodyPr/>
+          <a:lstStyle/>
+          <a:p>
+            <a:r>
+              <a:rPr lang="uk-UA" dirty="0"/>
+              <a:t>Форматований </a:t>
+            </a:r>
+            <a:r>
+              <a:rPr lang="uk-UA" dirty="0" err="1"/>
+              <a:t>ввивід</a:t>
+            </a:r>
+            <a:r>
+              <a:rPr lang="uk-UA" dirty="0"/>
+              <a:t> інформації</a:t>
+            </a:r>
+          </a:p>
+        </p:txBody>
+      </p:sp>
+      <p:sp>
+        <p:nvSpPr>
+          <p:cNvPr id="6" name="Rectangle 1">
+            <a:extLst>
+              <a:ext uri="{FF2B5EF4-FFF2-40B4-BE49-F238E27FC236}">
+                <a16:creationId xmlns:a16="http://schemas.microsoft.com/office/drawing/2014/main" id="{4E2C7E56-F5B3-B772-05F9-C88B0A15C2B5}"/>
+              </a:ext>
+            </a:extLst>
+          </p:cNvPr>
+          <p:cNvSpPr>
+            <a:spLocks noChangeArrowheads="1"/>
+          </p:cNvSpPr>
+          <p:nvPr/>
+        </p:nvSpPr>
+        <p:spPr bwMode="auto">
+          <a:xfrm>
+            <a:off x="619431" y="2921623"/>
+            <a:ext cx="11257935" cy="3108543"/>
+          </a:xfrm>
+          <a:prstGeom prst="rect">
+            <a:avLst/>
+          </a:prstGeom>
+          <a:noFill/>
+          <a:ln>
+            <a:noFill/>
+          </a:ln>
+          <a:effectLst/>
+        </p:spPr>
+        <p:txBody>
+          <a:bodyPr vert="horz" wrap="square" lIns="91440" tIns="45720" rIns="91440" bIns="45720" numCol="1" anchor="ctr" anchorCtr="0" compatLnSpc="1">
+            <a:prstTxWarp prst="textNoShape">
+              <a:avLst/>
+            </a:prstTxWarp>
+            <a:spAutoFit/>
+          </a:bodyPr>
+          <a:lstStyle/>
+          <a:p>
+            <a:pPr marL="0" marR="0" lvl="0" indent="0" algn="l" defTabSz="914400" rtl="0" eaLnBrk="0" fontAlgn="base" latinLnBrk="0" hangingPunct="0">
+              <a:lnSpc>
+                <a:spcPct val="100000"/>
+              </a:lnSpc>
+              <a:spcBef>
+                <a:spcPct val="0"/>
+              </a:spcBef>
+              <a:spcAft>
+                <a:spcPct val="0"/>
+              </a:spcAft>
+              <a:buClrTx/>
+              <a:buSzTx/>
+              <a:buFontTx/>
+              <a:buNone/>
+              <a:tabLst/>
+            </a:pPr>
+            <a:r>
+              <a:rPr kumimoji="0" lang="uk-UA" altLang="uk-UA" sz="2800" b="0" i="0" u="none" strike="noStrike" cap="none" normalizeH="0" baseline="0" dirty="0" err="1">
+                <a:ln>
+                  <a:noFill/>
+                </a:ln>
+                <a:solidFill>
+                  <a:srgbClr val="BCBEC4"/>
+                </a:solidFill>
+                <a:effectLst/>
+                <a:latin typeface="JetBrains Mono"/>
+              </a:rPr>
+              <a:t>first_name</a:t>
+            </a:r>
+            <a:r>
+              <a:rPr kumimoji="0" lang="uk-UA" altLang="uk-UA" sz="2800" b="0" i="0" u="none" strike="noStrike" cap="none" normalizeH="0" baseline="0" dirty="0">
+                <a:ln>
+                  <a:noFill/>
+                </a:ln>
+                <a:solidFill>
+                  <a:srgbClr val="BCBEC4"/>
+                </a:solidFill>
+                <a:effectLst/>
+                <a:latin typeface="JetBrains Mono"/>
+              </a:rPr>
+              <a:t> = </a:t>
+            </a:r>
+            <a:r>
+              <a:rPr kumimoji="0" lang="uk-UA" altLang="uk-UA" sz="2800" b="0" i="0" u="none" strike="noStrike" cap="none" normalizeH="0" baseline="0" dirty="0">
+                <a:ln>
+                  <a:noFill/>
+                </a:ln>
+                <a:solidFill>
+                  <a:srgbClr val="6AAB73"/>
+                </a:solidFill>
+                <a:effectLst/>
+                <a:latin typeface="JetBrains Mono"/>
+              </a:rPr>
+              <a:t>'</a:t>
+            </a:r>
+            <a:r>
+              <a:rPr kumimoji="0" lang="uk-UA" altLang="uk-UA" sz="2800" b="0" i="0" u="none" strike="noStrike" cap="none" normalizeH="0" baseline="0" dirty="0" err="1">
+                <a:ln>
+                  <a:noFill/>
+                </a:ln>
+                <a:solidFill>
+                  <a:srgbClr val="6AAB73"/>
+                </a:solidFill>
+                <a:effectLst/>
+                <a:latin typeface="JetBrains Mono"/>
+              </a:rPr>
+              <a:t>Alex</a:t>
+            </a:r>
+            <a:r>
+              <a:rPr kumimoji="0" lang="uk-UA" altLang="uk-UA" sz="2800" b="0" i="0" u="none" strike="noStrike" cap="none" normalizeH="0" baseline="0" dirty="0">
+                <a:ln>
+                  <a:noFill/>
+                </a:ln>
+                <a:solidFill>
+                  <a:srgbClr val="6AAB73"/>
+                </a:solidFill>
+                <a:effectLst/>
+                <a:latin typeface="JetBrains Mono"/>
+              </a:rPr>
+              <a:t>'</a:t>
+            </a:r>
+            <a:br>
+              <a:rPr kumimoji="0" lang="uk-UA" altLang="uk-UA" sz="2800" b="0" i="0" u="none" strike="noStrike" cap="none" normalizeH="0" baseline="0" dirty="0">
+                <a:ln>
+                  <a:noFill/>
+                </a:ln>
+                <a:solidFill>
+                  <a:srgbClr val="6AAB73"/>
+                </a:solidFill>
+                <a:effectLst/>
+                <a:latin typeface="JetBrains Mono"/>
+              </a:rPr>
+            </a:br>
+            <a:r>
+              <a:rPr kumimoji="0" lang="uk-UA" altLang="uk-UA" sz="2800" b="0" i="0" u="none" strike="noStrike" cap="none" normalizeH="0" baseline="0" dirty="0" err="1">
+                <a:ln>
+                  <a:noFill/>
+                </a:ln>
+                <a:solidFill>
+                  <a:srgbClr val="BCBEC4"/>
+                </a:solidFill>
+                <a:effectLst/>
+                <a:latin typeface="JetBrains Mono"/>
+              </a:rPr>
+              <a:t>second_name</a:t>
+            </a:r>
+            <a:r>
+              <a:rPr kumimoji="0" lang="uk-UA" altLang="uk-UA" sz="2800" b="0" i="0" u="none" strike="noStrike" cap="none" normalizeH="0" baseline="0" dirty="0">
+                <a:ln>
+                  <a:noFill/>
+                </a:ln>
+                <a:solidFill>
+                  <a:srgbClr val="BCBEC4"/>
+                </a:solidFill>
+                <a:effectLst/>
+                <a:latin typeface="JetBrains Mono"/>
+              </a:rPr>
+              <a:t> = </a:t>
+            </a:r>
+            <a:r>
+              <a:rPr kumimoji="0" lang="uk-UA" altLang="uk-UA" sz="2800" b="0" i="0" u="none" strike="noStrike" cap="none" normalizeH="0" baseline="0" dirty="0">
+                <a:ln>
+                  <a:noFill/>
+                </a:ln>
+                <a:solidFill>
+                  <a:srgbClr val="6AAB73"/>
+                </a:solidFill>
+                <a:effectLst/>
+                <a:latin typeface="JetBrains Mono"/>
+              </a:rPr>
+              <a:t>'</a:t>
+            </a:r>
+            <a:r>
+              <a:rPr kumimoji="0" lang="uk-UA" altLang="uk-UA" sz="2800" b="0" i="0" u="none" strike="noStrike" cap="none" normalizeH="0" baseline="0" dirty="0" err="1">
+                <a:ln>
+                  <a:noFill/>
+                </a:ln>
+                <a:solidFill>
+                  <a:srgbClr val="6AAB73"/>
+                </a:solidFill>
+                <a:effectLst/>
+                <a:latin typeface="JetBrains Mono"/>
+              </a:rPr>
+              <a:t>Alexandrovich</a:t>
+            </a:r>
+            <a:r>
+              <a:rPr kumimoji="0" lang="uk-UA" altLang="uk-UA" sz="2800" b="0" i="0" u="none" strike="noStrike" cap="none" normalizeH="0" baseline="0" dirty="0">
+                <a:ln>
+                  <a:noFill/>
+                </a:ln>
+                <a:solidFill>
+                  <a:srgbClr val="6AAB73"/>
+                </a:solidFill>
+                <a:effectLst/>
+                <a:latin typeface="JetBrains Mono"/>
+              </a:rPr>
+              <a:t>'</a:t>
+            </a:r>
+            <a:br>
+              <a:rPr kumimoji="0" lang="uk-UA" altLang="uk-UA" sz="2800" b="0" i="0" u="none" strike="noStrike" cap="none" normalizeH="0" baseline="0" dirty="0">
+                <a:ln>
+                  <a:noFill/>
+                </a:ln>
+                <a:solidFill>
+                  <a:srgbClr val="6AAB73"/>
+                </a:solidFill>
+                <a:effectLst/>
+                <a:latin typeface="JetBrains Mono"/>
+              </a:rPr>
+            </a:br>
+            <a:r>
+              <a:rPr kumimoji="0" lang="uk-UA" altLang="uk-UA" sz="2800" b="0" i="0" u="none" strike="noStrike" cap="none" normalizeH="0" baseline="0" dirty="0" err="1">
+                <a:ln>
+                  <a:noFill/>
+                </a:ln>
+                <a:solidFill>
+                  <a:srgbClr val="BCBEC4"/>
+                </a:solidFill>
+                <a:effectLst/>
+                <a:latin typeface="JetBrains Mono"/>
+              </a:rPr>
+              <a:t>last_name</a:t>
+            </a:r>
+            <a:r>
+              <a:rPr kumimoji="0" lang="uk-UA" altLang="uk-UA" sz="2800" b="0" i="0" u="none" strike="noStrike" cap="none" normalizeH="0" baseline="0" dirty="0">
+                <a:ln>
+                  <a:noFill/>
+                </a:ln>
+                <a:solidFill>
+                  <a:srgbClr val="BCBEC4"/>
+                </a:solidFill>
+                <a:effectLst/>
+                <a:latin typeface="JetBrains Mono"/>
+              </a:rPr>
+              <a:t> = </a:t>
+            </a:r>
+            <a:r>
+              <a:rPr kumimoji="0" lang="uk-UA" altLang="uk-UA" sz="2800" b="0" i="0" u="none" strike="noStrike" cap="none" normalizeH="0" baseline="0" dirty="0">
+                <a:ln>
+                  <a:noFill/>
+                </a:ln>
+                <a:solidFill>
+                  <a:srgbClr val="6AAB73"/>
+                </a:solidFill>
+                <a:effectLst/>
+                <a:latin typeface="JetBrains Mono"/>
+              </a:rPr>
+              <a:t>'</a:t>
+            </a:r>
+            <a:r>
+              <a:rPr kumimoji="0" lang="uk-UA" altLang="uk-UA" sz="2800" b="0" i="0" u="none" strike="noStrike" cap="none" normalizeH="0" baseline="0" dirty="0" err="1">
+                <a:ln>
+                  <a:noFill/>
+                </a:ln>
+                <a:solidFill>
+                  <a:srgbClr val="6AAB73"/>
+                </a:solidFill>
+                <a:effectLst/>
+                <a:latin typeface="JetBrains Mono"/>
+              </a:rPr>
+              <a:t>Smith</a:t>
+            </a:r>
+            <a:r>
+              <a:rPr kumimoji="0" lang="uk-UA" altLang="uk-UA" sz="2800" b="0" i="0" u="none" strike="noStrike" cap="none" normalizeH="0" baseline="0" dirty="0">
+                <a:ln>
+                  <a:noFill/>
+                </a:ln>
+                <a:solidFill>
+                  <a:srgbClr val="6AAB73"/>
+                </a:solidFill>
+                <a:effectLst/>
+                <a:latin typeface="JetBrains Mono"/>
+              </a:rPr>
+              <a:t>'</a:t>
+            </a:r>
+            <a:br>
+              <a:rPr kumimoji="0" lang="uk-UA" altLang="uk-UA" sz="2800" b="0" i="0" u="none" strike="noStrike" cap="none" normalizeH="0" baseline="0" dirty="0">
+                <a:ln>
+                  <a:noFill/>
+                </a:ln>
+                <a:solidFill>
+                  <a:srgbClr val="6AAB73"/>
+                </a:solidFill>
+                <a:effectLst/>
+                <a:latin typeface="JetBrains Mono"/>
+              </a:rPr>
+            </a:br>
+            <a:br>
+              <a:rPr kumimoji="0" lang="uk-UA" altLang="uk-UA" sz="2800" b="0" i="0" u="none" strike="noStrike" cap="none" normalizeH="0" baseline="0" dirty="0">
+                <a:ln>
+                  <a:noFill/>
+                </a:ln>
+                <a:solidFill>
+                  <a:srgbClr val="6AAB73"/>
+                </a:solidFill>
+                <a:effectLst/>
+                <a:latin typeface="JetBrains Mono"/>
+              </a:rPr>
+            </a:br>
+            <a:r>
+              <a:rPr kumimoji="0" lang="uk-UA" altLang="uk-UA" sz="2800" b="0" i="0" u="none" strike="noStrike" cap="none" normalizeH="0" baseline="0" dirty="0" err="1">
+                <a:ln>
+                  <a:noFill/>
+                </a:ln>
+                <a:solidFill>
+                  <a:srgbClr val="8888C6"/>
+                </a:solidFill>
+                <a:effectLst/>
+                <a:latin typeface="JetBrains Mono"/>
+              </a:rPr>
+              <a:t>print</a:t>
+            </a:r>
+            <a:r>
+              <a:rPr kumimoji="0" lang="uk-UA" altLang="uk-UA" sz="2800" b="0" i="0" u="none" strike="noStrike" cap="none" normalizeH="0" baseline="0" dirty="0">
+                <a:ln>
+                  <a:noFill/>
+                </a:ln>
+                <a:solidFill>
+                  <a:srgbClr val="BCBEC4"/>
+                </a:solidFill>
+                <a:effectLst/>
+                <a:latin typeface="JetBrains Mono"/>
+              </a:rPr>
+              <a:t>(</a:t>
+            </a:r>
+            <a:r>
+              <a:rPr kumimoji="0" lang="uk-UA" altLang="uk-UA" sz="2800" b="0" i="0" u="none" strike="noStrike" cap="none" normalizeH="0" baseline="0" dirty="0" err="1">
+                <a:ln>
+                  <a:noFill/>
+                </a:ln>
+                <a:solidFill>
+                  <a:srgbClr val="6AAB73"/>
+                </a:solidFill>
+                <a:effectLst/>
+                <a:latin typeface="JetBrains Mono"/>
+              </a:rPr>
+              <a:t>f"Ім`я</a:t>
+            </a:r>
+            <a:r>
+              <a:rPr kumimoji="0" lang="uk-UA" altLang="uk-UA" sz="2800" b="0" i="0" u="none" strike="noStrike" cap="none" normalizeH="0" baseline="0" dirty="0">
+                <a:ln>
+                  <a:noFill/>
+                </a:ln>
+                <a:solidFill>
+                  <a:srgbClr val="6AAB73"/>
+                </a:solidFill>
+                <a:effectLst/>
+                <a:latin typeface="JetBrains Mono"/>
+              </a:rPr>
+              <a:t>: </a:t>
+            </a:r>
+            <a:r>
+              <a:rPr kumimoji="0" lang="uk-UA" altLang="uk-UA" sz="2800" b="0" i="0" u="none" strike="noStrike" cap="none" normalizeH="0" baseline="0" dirty="0">
+                <a:ln>
+                  <a:noFill/>
+                </a:ln>
+                <a:solidFill>
+                  <a:srgbClr val="CF8E6D"/>
+                </a:solidFill>
+                <a:effectLst/>
+                <a:latin typeface="JetBrains Mono"/>
+              </a:rPr>
+              <a:t>{</a:t>
+            </a:r>
+            <a:r>
+              <a:rPr kumimoji="0" lang="uk-UA" altLang="uk-UA" sz="2800" b="0" i="0" u="none" strike="noStrike" cap="none" normalizeH="0" baseline="0" dirty="0" err="1">
+                <a:ln>
+                  <a:noFill/>
+                </a:ln>
+                <a:solidFill>
+                  <a:srgbClr val="BCBEC4"/>
+                </a:solidFill>
+                <a:effectLst/>
+                <a:latin typeface="JetBrains Mono"/>
+              </a:rPr>
+              <a:t>first_name</a:t>
+            </a:r>
+            <a:r>
+              <a:rPr kumimoji="0" lang="uk-UA" altLang="uk-UA" sz="2800" b="0" i="0" u="none" strike="noStrike" cap="none" normalizeH="0" baseline="0" dirty="0">
+                <a:ln>
+                  <a:noFill/>
+                </a:ln>
+                <a:solidFill>
+                  <a:srgbClr val="CF8E6D"/>
+                </a:solidFill>
+                <a:effectLst/>
+                <a:latin typeface="JetBrains Mono"/>
+              </a:rPr>
+              <a:t>} \n</a:t>
+            </a:r>
+            <a:r>
+              <a:rPr kumimoji="0" lang="uk-UA" altLang="uk-UA" sz="2800" b="0" i="0" u="none" strike="noStrike" cap="none" normalizeH="0" baseline="0" dirty="0">
+                <a:ln>
+                  <a:noFill/>
+                </a:ln>
+                <a:solidFill>
+                  <a:srgbClr val="6AAB73"/>
+                </a:solidFill>
+                <a:effectLst/>
+                <a:latin typeface="JetBrains Mono"/>
+              </a:rPr>
+              <a:t>"</a:t>
+            </a:r>
+            <a:br>
+              <a:rPr kumimoji="0" lang="uk-UA" altLang="uk-UA" sz="2800" b="0" i="0" u="none" strike="noStrike" cap="none" normalizeH="0" baseline="0" dirty="0">
+                <a:ln>
+                  <a:noFill/>
+                </a:ln>
+                <a:solidFill>
+                  <a:srgbClr val="6AAB73"/>
+                </a:solidFill>
+                <a:effectLst/>
+                <a:latin typeface="JetBrains Mono"/>
+              </a:rPr>
+            </a:br>
+            <a:r>
+              <a:rPr kumimoji="0" lang="uk-UA" altLang="uk-UA" sz="2800" b="0" i="0" u="none" strike="noStrike" cap="none" normalizeH="0" baseline="0" dirty="0">
+                <a:ln>
+                  <a:noFill/>
+                </a:ln>
+                <a:solidFill>
+                  <a:srgbClr val="6AAB73"/>
+                </a:solidFill>
+                <a:effectLst/>
+                <a:latin typeface="JetBrains Mono"/>
+              </a:rPr>
+              <a:t>      </a:t>
+            </a:r>
+            <a:r>
+              <a:rPr kumimoji="0" lang="uk-UA" altLang="uk-UA" sz="2800" b="0" i="0" u="none" strike="noStrike" cap="none" normalizeH="0" baseline="0" dirty="0" err="1">
+                <a:ln>
+                  <a:noFill/>
+                </a:ln>
+                <a:solidFill>
+                  <a:srgbClr val="6AAB73"/>
+                </a:solidFill>
+                <a:effectLst/>
+                <a:latin typeface="JetBrains Mono"/>
+              </a:rPr>
+              <a:t>f"Прізвище</a:t>
+            </a:r>
+            <a:r>
+              <a:rPr kumimoji="0" lang="uk-UA" altLang="uk-UA" sz="2800" b="0" i="0" u="none" strike="noStrike" cap="none" normalizeH="0" baseline="0" dirty="0">
+                <a:ln>
+                  <a:noFill/>
+                </a:ln>
+                <a:solidFill>
+                  <a:srgbClr val="6AAB73"/>
+                </a:solidFill>
+                <a:effectLst/>
+                <a:latin typeface="JetBrains Mono"/>
+              </a:rPr>
+              <a:t> </a:t>
+            </a:r>
+            <a:r>
+              <a:rPr kumimoji="0" lang="uk-UA" altLang="uk-UA" sz="2800" b="0" i="0" u="none" strike="noStrike" cap="none" normalizeH="0" baseline="0" dirty="0">
+                <a:ln>
+                  <a:noFill/>
+                </a:ln>
+                <a:solidFill>
+                  <a:srgbClr val="CF8E6D"/>
+                </a:solidFill>
+                <a:effectLst/>
+                <a:latin typeface="JetBrains Mono"/>
+              </a:rPr>
+              <a:t>{</a:t>
+            </a:r>
+            <a:r>
+              <a:rPr kumimoji="0" lang="uk-UA" altLang="uk-UA" sz="2800" b="0" i="0" u="none" strike="noStrike" cap="none" normalizeH="0" baseline="0" dirty="0" err="1">
+                <a:ln>
+                  <a:noFill/>
+                </a:ln>
+                <a:solidFill>
+                  <a:srgbClr val="BCBEC4"/>
+                </a:solidFill>
+                <a:effectLst/>
+                <a:latin typeface="JetBrains Mono"/>
+              </a:rPr>
+              <a:t>second_name</a:t>
+            </a:r>
+            <a:r>
+              <a:rPr kumimoji="0" lang="uk-UA" altLang="uk-UA" sz="2800" b="0" i="0" u="none" strike="noStrike" cap="none" normalizeH="0" baseline="0" dirty="0">
+                <a:ln>
+                  <a:noFill/>
+                </a:ln>
+                <a:solidFill>
+                  <a:srgbClr val="CF8E6D"/>
+                </a:solidFill>
+                <a:effectLst/>
+                <a:latin typeface="JetBrains Mono"/>
+              </a:rPr>
+              <a:t>} \n</a:t>
+            </a:r>
+            <a:r>
+              <a:rPr kumimoji="0" lang="uk-UA" altLang="uk-UA" sz="2800" b="0" i="0" u="none" strike="noStrike" cap="none" normalizeH="0" baseline="0" dirty="0">
+                <a:ln>
+                  <a:noFill/>
+                </a:ln>
+                <a:solidFill>
+                  <a:srgbClr val="6AAB73"/>
+                </a:solidFill>
+                <a:effectLst/>
+                <a:latin typeface="JetBrains Mono"/>
+              </a:rPr>
+              <a:t>"</a:t>
+            </a:r>
+            <a:br>
+              <a:rPr kumimoji="0" lang="uk-UA" altLang="uk-UA" sz="2800" b="0" i="0" u="none" strike="noStrike" cap="none" normalizeH="0" baseline="0" dirty="0">
+                <a:ln>
+                  <a:noFill/>
+                </a:ln>
+                <a:solidFill>
+                  <a:srgbClr val="6AAB73"/>
+                </a:solidFill>
+                <a:effectLst/>
+                <a:latin typeface="JetBrains Mono"/>
+              </a:rPr>
+            </a:br>
+            <a:r>
+              <a:rPr kumimoji="0" lang="uk-UA" altLang="uk-UA" sz="2800" b="0" i="0" u="none" strike="noStrike" cap="none" normalizeH="0" baseline="0" dirty="0">
+                <a:ln>
+                  <a:noFill/>
+                </a:ln>
+                <a:solidFill>
+                  <a:srgbClr val="6AAB73"/>
+                </a:solidFill>
+                <a:effectLst/>
+                <a:latin typeface="JetBrains Mono"/>
+              </a:rPr>
+              <a:t>      </a:t>
+            </a:r>
+            <a:r>
+              <a:rPr kumimoji="0" lang="uk-UA" altLang="uk-UA" sz="2800" b="0" i="0" u="none" strike="noStrike" cap="none" normalizeH="0" baseline="0" dirty="0" err="1">
+                <a:ln>
+                  <a:noFill/>
+                </a:ln>
+                <a:solidFill>
+                  <a:srgbClr val="6AAB73"/>
+                </a:solidFill>
+                <a:effectLst/>
+                <a:latin typeface="JetBrains Mono"/>
+              </a:rPr>
+              <a:t>f"По</a:t>
+            </a:r>
+            <a:r>
+              <a:rPr kumimoji="0" lang="uk-UA" altLang="uk-UA" sz="2800" b="0" i="0" u="none" strike="noStrike" cap="none" normalizeH="0" baseline="0" dirty="0">
+                <a:ln>
+                  <a:noFill/>
+                </a:ln>
+                <a:solidFill>
+                  <a:srgbClr val="6AAB73"/>
+                </a:solidFill>
+                <a:effectLst/>
+                <a:latin typeface="JetBrains Mono"/>
+              </a:rPr>
+              <a:t> батькові </a:t>
+            </a:r>
+            <a:r>
+              <a:rPr kumimoji="0" lang="uk-UA" altLang="uk-UA" sz="2800" b="0" i="0" u="none" strike="noStrike" cap="none" normalizeH="0" baseline="0" dirty="0">
+                <a:ln>
+                  <a:noFill/>
+                </a:ln>
+                <a:solidFill>
+                  <a:srgbClr val="CF8E6D"/>
+                </a:solidFill>
+                <a:effectLst/>
+                <a:latin typeface="JetBrains Mono"/>
+              </a:rPr>
+              <a:t>{</a:t>
+            </a:r>
+            <a:r>
+              <a:rPr kumimoji="0" lang="uk-UA" altLang="uk-UA" sz="2800" b="0" i="0" u="none" strike="noStrike" cap="none" normalizeH="0" baseline="0" dirty="0" err="1">
+                <a:ln>
+                  <a:noFill/>
+                </a:ln>
+                <a:solidFill>
+                  <a:srgbClr val="BCBEC4"/>
+                </a:solidFill>
+                <a:effectLst/>
+                <a:latin typeface="JetBrains Mono"/>
+              </a:rPr>
+              <a:t>last_name</a:t>
+            </a:r>
+            <a:r>
+              <a:rPr kumimoji="0" lang="uk-UA" altLang="uk-UA" sz="2800" b="0" i="0" u="none" strike="noStrike" cap="none" normalizeH="0" baseline="0" dirty="0">
+                <a:ln>
+                  <a:noFill/>
+                </a:ln>
+                <a:solidFill>
+                  <a:srgbClr val="CF8E6D"/>
+                </a:solidFill>
+                <a:effectLst/>
+                <a:latin typeface="JetBrains Mono"/>
+              </a:rPr>
+              <a:t>}</a:t>
+            </a:r>
+            <a:r>
+              <a:rPr kumimoji="0" lang="uk-UA" altLang="uk-UA" sz="2800" b="0" i="0" u="none" strike="noStrike" cap="none" normalizeH="0" baseline="0" dirty="0">
+                <a:ln>
+                  <a:noFill/>
+                </a:ln>
+                <a:solidFill>
+                  <a:srgbClr val="6AAB73"/>
+                </a:solidFill>
+                <a:effectLst/>
+                <a:latin typeface="JetBrains Mono"/>
+              </a:rPr>
+              <a:t>" </a:t>
+            </a:r>
+            <a:r>
+              <a:rPr kumimoji="0" lang="uk-UA" altLang="uk-UA" sz="2800" b="0" i="0" u="none" strike="noStrike" cap="none" normalizeH="0" baseline="0" dirty="0">
+                <a:ln>
+                  <a:noFill/>
+                </a:ln>
+                <a:solidFill>
+                  <a:srgbClr val="BCBEC4"/>
+                </a:solidFill>
+                <a:effectLst/>
+                <a:latin typeface="JetBrains Mono"/>
+              </a:rPr>
+              <a:t>)</a:t>
+            </a:r>
+            <a:endParaRPr kumimoji="0" lang="uk-UA" altLang="uk-UA" sz="5400" b="0" i="0" u="none" strike="noStrike" cap="none" normalizeH="0" baseline="0" dirty="0">
+              <a:ln>
+                <a:noFill/>
+              </a:ln>
+              <a:solidFill>
+                <a:schemeClr val="tx1"/>
+              </a:solidFill>
+              <a:effectLst/>
+              <a:latin typeface="Arial" panose="020B0604020202020204" pitchFamily="34" charset="0"/>
+            </a:endParaRPr>
+          </a:p>
+        </p:txBody>
+      </p:sp>
+      <p:sp>
+        <p:nvSpPr>
+          <p:cNvPr id="7" name="TextBox 6">
+            <a:extLst>
+              <a:ext uri="{FF2B5EF4-FFF2-40B4-BE49-F238E27FC236}">
+                <a16:creationId xmlns:a16="http://schemas.microsoft.com/office/drawing/2014/main" id="{3A0BA726-84AC-B0E5-32F2-1614EDBFD34E}"/>
+              </a:ext>
+            </a:extLst>
+          </p:cNvPr>
+          <p:cNvSpPr txBox="1"/>
+          <p:nvPr/>
+        </p:nvSpPr>
+        <p:spPr>
+          <a:xfrm>
+            <a:off x="717755" y="1563329"/>
+            <a:ext cx="10854814" cy="830997"/>
+          </a:xfrm>
+          <a:prstGeom prst="rect">
+            <a:avLst/>
+          </a:prstGeom>
+          <a:noFill/>
+        </p:spPr>
+        <p:txBody>
+          <a:bodyPr wrap="square" rtlCol="0">
+            <a:spAutoFit/>
+          </a:bodyPr>
+          <a:lstStyle/>
+          <a:p>
+            <a:r>
+              <a:rPr lang="uk-UA" sz="2400" dirty="0"/>
+              <a:t>Також в </a:t>
+            </a:r>
+            <a:r>
+              <a:rPr lang="en-US" sz="2400" dirty="0"/>
+              <a:t>Python </a:t>
+            </a:r>
+            <a:r>
+              <a:rPr lang="uk-UA" sz="2400" dirty="0"/>
+              <a:t>є таке поняття, як форматований вивід інформації. Ось невеличкий приклад</a:t>
+            </a:r>
+          </a:p>
+        </p:txBody>
+      </p:sp>
+    </p:spTree>
+    <p:extLst>
+      <p:ext uri="{BB962C8B-B14F-4D97-AF65-F5344CB8AC3E}">
+        <p14:creationId xmlns:p14="http://schemas.microsoft.com/office/powerpoint/2010/main" val="2705130426"/>
+      </p:ext>
+    </p:extLst>
+  </p:cSld>
+  <p:clrMapOvr>
+    <a:masterClrMapping/>
+  </p:clrMapOvr>
+</p:sld>
+</file>
+
+<file path=ppt/slides/slide15.xml><?xml version="1.0" encoding="utf-8"?>
 <p:sld xmlns:a="http://schemas.openxmlformats.org/drawingml/2006/main" xmlns:r="http://schemas.openxmlformats.org/officeDocument/2006/relationships" xmlns:p="http://schemas.openxmlformats.org/presentationml/2006/main">
   <p:cSld>
     <p:spTree>
@@ -8711,7 +9453,7 @@
 </p:sld>
 </file>
 
-<file path=ppt/slides/slide15.xml><?xml version="1.0" encoding="utf-8"?>
+<file path=ppt/slides/slide16.xml><?xml version="1.0" encoding="utf-8"?>
 <p:sld xmlns:a="http://schemas.openxmlformats.org/drawingml/2006/main" xmlns:r="http://schemas.openxmlformats.org/officeDocument/2006/relationships" xmlns:p="http://schemas.openxmlformats.org/presentationml/2006/main">
   <p:cSld>
     <p:spTree>
